--- a/public/奖状.pptx
+++ b/public/奖状.pptx
@@ -3483,7 +3483,10 @@
               <a:noFill/>
               <a:ln>
                 <a:solidFill>
-                  <a:srgbClr val="FFC000"/>
+                  <a:schemeClr val="accent4">
+                    <a:lumMod val="20000"/>
+                    <a:lumOff val="80000"/>
+                  </a:schemeClr>
                 </a:solidFill>
                 <a:prstDash val="sysDot"/>
               </a:ln>
@@ -3535,7 +3538,10 @@
               <a:noFill/>
               <a:ln>
                 <a:solidFill>
-                  <a:srgbClr val="FFC000"/>
+                  <a:schemeClr val="accent4">
+                    <a:lumMod val="20000"/>
+                    <a:lumOff val="80000"/>
+                  </a:schemeClr>
                 </a:solidFill>
                 <a:prstDash val="sysDot"/>
               </a:ln>
@@ -3587,7 +3593,10 @@
               <a:noFill/>
               <a:ln>
                 <a:solidFill>
-                  <a:srgbClr val="FFC000"/>
+                  <a:schemeClr val="accent4">
+                    <a:lumMod val="20000"/>
+                    <a:lumOff val="80000"/>
+                  </a:schemeClr>
                 </a:solidFill>
                 <a:prstDash val="sysDot"/>
               </a:ln>
@@ -3639,7 +3648,10 @@
               <a:noFill/>
               <a:ln>
                 <a:solidFill>
-                  <a:srgbClr val="FFC000"/>
+                  <a:schemeClr val="accent4">
+                    <a:lumMod val="20000"/>
+                    <a:lumOff val="80000"/>
+                  </a:schemeClr>
                 </a:solidFill>
                 <a:prstDash val="sysDot"/>
               </a:ln>
@@ -3690,6 +3702,9 @@
               <a:avLst/>
             </a:prstGeom>
             <a:noFill/>
+            <a:ln>
+              <a:noFill/>
+            </a:ln>
           </p:spPr>
           <p:txBody>
             <a:bodyPr wrap="square" lIns="91440" tIns="45720" rIns="91440" bIns="45720">
@@ -4667,7 +4682,7 @@
         </p:nvSpPr>
         <p:spPr>
           <a:xfrm>
-            <a:off x="10122359" y="6607977"/>
+            <a:off x="10122359" y="6588927"/>
             <a:ext cx="248786" cy="123111"/>
           </a:xfrm>
           <a:prstGeom prst="rect">
@@ -4829,6 +4844,101 @@
           </a:prstGeom>
         </p:spPr>
       </p:pic>
+      <p:grpSp>
+        <p:nvGrpSpPr>
+          <p:cNvPr id="5" name="组合 4">
+            <a:extLst>
+              <a:ext uri="{FF2B5EF4-FFF2-40B4-BE49-F238E27FC236}">
+                <a16:creationId xmlns:a16="http://schemas.microsoft.com/office/drawing/2014/main" id="{09A369AF-26C4-4471-B344-CC37D433E570}"/>
+              </a:ext>
+            </a:extLst>
+          </p:cNvPr>
+          <p:cNvGrpSpPr/>
+          <p:nvPr/>
+        </p:nvGrpSpPr>
+        <p:grpSpPr>
+          <a:xfrm>
+            <a:off x="1342333" y="802429"/>
+            <a:ext cx="779523" cy="966130"/>
+            <a:chOff x="8668483" y="3831784"/>
+            <a:chExt cx="779523" cy="966130"/>
+          </a:xfrm>
+        </p:grpSpPr>
+        <p:pic>
+          <p:nvPicPr>
+            <p:cNvPr id="3" name="图片 2">
+              <a:extLst>
+                <a:ext uri="{FF2B5EF4-FFF2-40B4-BE49-F238E27FC236}">
+                  <a16:creationId xmlns:a16="http://schemas.microsoft.com/office/drawing/2014/main" id="{8B53C035-FA13-4AD8-82F4-67BA410DF60A}"/>
+                </a:ext>
+              </a:extLst>
+            </p:cNvPr>
+            <p:cNvPicPr>
+              <a:picLocks noChangeAspect="1"/>
+            </p:cNvPicPr>
+            <p:nvPr/>
+          </p:nvPicPr>
+          <p:blipFill>
+            <a:blip r:embed="rId5">
+              <a:extLst>
+                <a:ext uri="{28A0092B-C50C-407E-A947-70E740481C1C}">
+                  <a14:useLocalDpi xmlns:a14="http://schemas.microsoft.com/office/drawing/2010/main" val="0"/>
+                </a:ext>
+              </a:extLst>
+            </a:blip>
+            <a:stretch>
+              <a:fillRect/>
+            </a:stretch>
+          </p:blipFill>
+          <p:spPr>
+            <a:xfrm>
+              <a:off x="8668483" y="3831784"/>
+              <a:ext cx="779523" cy="779523"/>
+            </a:xfrm>
+            <a:prstGeom prst="rect">
+              <a:avLst/>
+            </a:prstGeom>
+          </p:spPr>
+        </p:pic>
+        <p:sp>
+          <p:nvSpPr>
+            <p:cNvPr id="4" name="文本框 3">
+              <a:extLst>
+                <a:ext uri="{FF2B5EF4-FFF2-40B4-BE49-F238E27FC236}">
+                  <a16:creationId xmlns:a16="http://schemas.microsoft.com/office/drawing/2014/main" id="{3D241B18-652C-4E5E-ADAA-FC00017BAC76}"/>
+                </a:ext>
+              </a:extLst>
+            </p:cNvPr>
+            <p:cNvSpPr txBox="1"/>
+            <p:nvPr/>
+          </p:nvSpPr>
+          <p:spPr>
+            <a:xfrm>
+              <a:off x="8734852" y="4567082"/>
+              <a:ext cx="646331" cy="230832"/>
+            </a:xfrm>
+            <a:prstGeom prst="rect">
+              <a:avLst/>
+            </a:prstGeom>
+            <a:noFill/>
+          </p:spPr>
+          <p:txBody>
+            <a:bodyPr wrap="none" rtlCol="0">
+              <a:spAutoFit/>
+            </a:bodyPr>
+            <a:lstStyle/>
+            <a:p>
+              <a:r>
+                <a:rPr lang="zh-CN" altLang="en-US" sz="900" dirty="0">
+                  <a:latin typeface="方正粗黑宋简体" panose="02000000000000000000" pitchFamily="2" charset="-122"/>
+                  <a:ea typeface="方正粗黑宋简体" panose="02000000000000000000" pitchFamily="2" charset="-122"/>
+                </a:rPr>
+                <a:t>防伪验证</a:t>
+              </a:r>
+            </a:p>
+          </p:txBody>
+        </p:sp>
+      </p:grpSp>
     </p:spTree>
     <p:extLst>
       <p:ext uri="{BB962C8B-B14F-4D97-AF65-F5344CB8AC3E}">

--- a/public/奖状.pptx
+++ b/public/奖状.pptx
@@ -259,7 +259,7 @@
           <a:p>
             <a:fld id="{C7D10932-1787-4F52-973F-5DB5AA972CC5}" type="datetimeFigureOut">
               <a:rPr lang="zh-CN" altLang="en-US" smtClean="0"/>
-              <a:t>2025/2/3</a:t>
+              <a:t>2025/2/4</a:t>
             </a:fld>
             <a:endParaRPr lang="zh-CN" altLang="en-US"/>
           </a:p>
@@ -457,7 +457,7 @@
           <a:p>
             <a:fld id="{C7D10932-1787-4F52-973F-5DB5AA972CC5}" type="datetimeFigureOut">
               <a:rPr lang="zh-CN" altLang="en-US" smtClean="0"/>
-              <a:t>2025/2/3</a:t>
+              <a:t>2025/2/4</a:t>
             </a:fld>
             <a:endParaRPr lang="zh-CN" altLang="en-US"/>
           </a:p>
@@ -665,7 +665,7 @@
           <a:p>
             <a:fld id="{C7D10932-1787-4F52-973F-5DB5AA972CC5}" type="datetimeFigureOut">
               <a:rPr lang="zh-CN" altLang="en-US" smtClean="0"/>
-              <a:t>2025/2/3</a:t>
+              <a:t>2025/2/4</a:t>
             </a:fld>
             <a:endParaRPr lang="zh-CN" altLang="en-US"/>
           </a:p>
@@ -863,7 +863,7 @@
           <a:p>
             <a:fld id="{C7D10932-1787-4F52-973F-5DB5AA972CC5}" type="datetimeFigureOut">
               <a:rPr lang="zh-CN" altLang="en-US" smtClean="0"/>
-              <a:t>2025/2/3</a:t>
+              <a:t>2025/2/4</a:t>
             </a:fld>
             <a:endParaRPr lang="zh-CN" altLang="en-US"/>
           </a:p>
@@ -1138,7 +1138,7 @@
           <a:p>
             <a:fld id="{C7D10932-1787-4F52-973F-5DB5AA972CC5}" type="datetimeFigureOut">
               <a:rPr lang="zh-CN" altLang="en-US" smtClean="0"/>
-              <a:t>2025/2/3</a:t>
+              <a:t>2025/2/4</a:t>
             </a:fld>
             <a:endParaRPr lang="zh-CN" altLang="en-US"/>
           </a:p>
@@ -1403,7 +1403,7 @@
           <a:p>
             <a:fld id="{C7D10932-1787-4F52-973F-5DB5AA972CC5}" type="datetimeFigureOut">
               <a:rPr lang="zh-CN" altLang="en-US" smtClean="0"/>
-              <a:t>2025/2/3</a:t>
+              <a:t>2025/2/4</a:t>
             </a:fld>
             <a:endParaRPr lang="zh-CN" altLang="en-US"/>
           </a:p>
@@ -1815,7 +1815,7 @@
           <a:p>
             <a:fld id="{C7D10932-1787-4F52-973F-5DB5AA972CC5}" type="datetimeFigureOut">
               <a:rPr lang="zh-CN" altLang="en-US" smtClean="0"/>
-              <a:t>2025/2/3</a:t>
+              <a:t>2025/2/4</a:t>
             </a:fld>
             <a:endParaRPr lang="zh-CN" altLang="en-US"/>
           </a:p>
@@ -1956,7 +1956,7 @@
           <a:p>
             <a:fld id="{C7D10932-1787-4F52-973F-5DB5AA972CC5}" type="datetimeFigureOut">
               <a:rPr lang="zh-CN" altLang="en-US" smtClean="0"/>
-              <a:t>2025/2/3</a:t>
+              <a:t>2025/2/4</a:t>
             </a:fld>
             <a:endParaRPr lang="zh-CN" altLang="en-US"/>
           </a:p>
@@ -2069,7 +2069,7 @@
           <a:p>
             <a:fld id="{C7D10932-1787-4F52-973F-5DB5AA972CC5}" type="datetimeFigureOut">
               <a:rPr lang="zh-CN" altLang="en-US" smtClean="0"/>
-              <a:t>2025/2/3</a:t>
+              <a:t>2025/2/4</a:t>
             </a:fld>
             <a:endParaRPr lang="zh-CN" altLang="en-US"/>
           </a:p>
@@ -2380,7 +2380,7 @@
           <a:p>
             <a:fld id="{C7D10932-1787-4F52-973F-5DB5AA972CC5}" type="datetimeFigureOut">
               <a:rPr lang="zh-CN" altLang="en-US" smtClean="0"/>
-              <a:t>2025/2/3</a:t>
+              <a:t>2025/2/4</a:t>
             </a:fld>
             <a:endParaRPr lang="zh-CN" altLang="en-US"/>
           </a:p>
@@ -2668,7 +2668,7 @@
           <a:p>
             <a:fld id="{C7D10932-1787-4F52-973F-5DB5AA972CC5}" type="datetimeFigureOut">
               <a:rPr lang="zh-CN" altLang="en-US" smtClean="0"/>
-              <a:t>2025/2/3</a:t>
+              <a:t>2025/2/4</a:t>
             </a:fld>
             <a:endParaRPr lang="zh-CN" altLang="en-US"/>
           </a:p>
@@ -2909,7 +2909,7 @@
           <a:p>
             <a:fld id="{C7D10932-1787-4F52-973F-5DB5AA972CC5}" type="datetimeFigureOut">
               <a:rPr lang="zh-CN" altLang="en-US" smtClean="0"/>
-              <a:t>2025/2/3</a:t>
+              <a:t>2025/2/4</a:t>
             </a:fld>
             <a:endParaRPr lang="zh-CN" altLang="en-US"/>
           </a:p>
@@ -3861,7 +3861,7 @@
         </p:nvSpPr>
         <p:spPr>
           <a:xfrm>
-            <a:off x="1470992" y="2914381"/>
+            <a:off x="1503649" y="2914381"/>
             <a:ext cx="1989647" cy="461665"/>
           </a:xfrm>
           <a:prstGeom prst="rect">
@@ -3938,8 +3938,8 @@
         </p:nvSpPr>
         <p:spPr>
           <a:xfrm>
-            <a:off x="3380338" y="2926639"/>
-            <a:ext cx="4360786" cy="400110"/>
+            <a:off x="3406469" y="2926639"/>
+            <a:ext cx="4921428" cy="400110"/>
           </a:xfrm>
           <a:prstGeom prst="rect">
             <a:avLst/>
@@ -3967,7 +3967,7 @@
                 <a:ea typeface="Tahoma" panose="020B0604030504040204" pitchFamily="34" charset="0"/>
                 <a:cs typeface="Tahoma" panose="020B0604030504040204" pitchFamily="34" charset="0"/>
               </a:rPr>
-              <a:t>Cornsnaky’s Year Puzzle Hunt</a:t>
+              <a:t>Cornsnaky’s Snake Year Puzzle Hunt</a:t>
             </a:r>
             <a:endParaRPr lang="zh-CN" altLang="en-US" sz="2000" b="1" dirty="0">
               <a:ln w="0"/>
@@ -3999,8 +3999,8 @@
         </p:nvSpPr>
         <p:spPr>
           <a:xfrm>
-            <a:off x="7676704" y="2914381"/>
-            <a:ext cx="3259226" cy="461665"/>
+            <a:off x="8204950" y="2914381"/>
+            <a:ext cx="2646878" cy="461665"/>
           </a:xfrm>
           <a:prstGeom prst="rect">
             <a:avLst/>
@@ -4027,7 +4027,7 @@
                 <a:latin typeface="方正粗黑宋简体" panose="02000000000000000000" pitchFamily="2" charset="-122"/>
                 <a:ea typeface="方正粗黑宋简体" panose="02000000000000000000" pitchFamily="2" charset="-122"/>
               </a:rPr>
-              <a:t>中表现优异，获得大赛</a:t>
+              <a:t>中表现优异，获得</a:t>
             </a:r>
           </a:p>
         </p:txBody>
@@ -4151,10 +4151,10 @@
         </p:nvGrpSpPr>
         <p:grpSpPr>
           <a:xfrm>
-            <a:off x="7273950" y="5438000"/>
-            <a:ext cx="3546623" cy="658833"/>
-            <a:chOff x="7238637" y="5152147"/>
-            <a:chExt cx="3546623" cy="658833"/>
+            <a:off x="7014752" y="5441491"/>
+            <a:ext cx="4222637" cy="654048"/>
+            <a:chOff x="7012472" y="5155638"/>
+            <a:chExt cx="3684512" cy="654048"/>
           </a:xfrm>
         </p:grpSpPr>
         <p:sp>
@@ -4171,8 +4171,8 @@
           </p:nvSpPr>
           <p:spPr>
             <a:xfrm>
-              <a:off x="7238637" y="5152147"/>
-              <a:ext cx="2895680" cy="307777"/>
+              <a:off x="7012472" y="5155638"/>
+              <a:ext cx="3036942" cy="307777"/>
             </a:xfrm>
             <a:prstGeom prst="rect">
               <a:avLst/>
@@ -4200,7 +4200,7 @@
                   <a:ea typeface="Tahoma" panose="020B0604030504040204" pitchFamily="34" charset="0"/>
                   <a:cs typeface="Tahoma" panose="020B0604030504040204" pitchFamily="34" charset="0"/>
                 </a:rPr>
-                <a:t>Cornsnaky’s Year Puzzle Hunt</a:t>
+                <a:t>Cornsnaky’s Snake Year Puzzle Hunt</a:t>
               </a:r>
               <a:endParaRPr lang="zh-CN" altLang="en-US" sz="1400" b="1" dirty="0">
                 <a:ln w="0"/>
@@ -4232,7 +4232,7 @@
           </p:nvSpPr>
           <p:spPr>
             <a:xfrm>
-              <a:off x="9980232" y="5155638"/>
+              <a:off x="9891956" y="5155638"/>
               <a:ext cx="805028" cy="338554"/>
             </a:xfrm>
             <a:prstGeom prst="rect">
@@ -4279,7 +4279,7 @@
           </p:nvSpPr>
           <p:spPr>
             <a:xfrm>
-              <a:off x="8065633" y="5472426"/>
+              <a:off x="7900652" y="5471132"/>
               <a:ext cx="1931940" cy="338554"/>
             </a:xfrm>
             <a:prstGeom prst="rect">
@@ -4747,7 +4747,7 @@
         </p:nvSpPr>
         <p:spPr>
           <a:xfrm>
-            <a:off x="963391" y="531876"/>
+            <a:off x="964395" y="661103"/>
             <a:ext cx="1704313" cy="276999"/>
           </a:xfrm>
           <a:prstGeom prst="rect">
@@ -4807,43 +4807,6 @@
           </a:p>
         </p:txBody>
       </p:sp>
-      <p:pic>
-        <p:nvPicPr>
-          <p:cNvPr id="54" name="图片 53">
-            <a:extLst>
-              <a:ext uri="{FF2B5EF4-FFF2-40B4-BE49-F238E27FC236}">
-                <a16:creationId xmlns:a16="http://schemas.microsoft.com/office/drawing/2014/main" id="{D932D82C-5F25-4405-A5DA-1D15D4FF133A}"/>
-              </a:ext>
-            </a:extLst>
-          </p:cNvPr>
-          <p:cNvPicPr>
-            <a:picLocks noChangeAspect="1"/>
-          </p:cNvPicPr>
-          <p:nvPr/>
-        </p:nvPicPr>
-        <p:blipFill>
-          <a:blip r:embed="rId4">
-            <a:alphaModFix amt="50000"/>
-            <a:extLst>
-              <a:ext uri="{28A0092B-C50C-407E-A947-70E740481C1C}">
-                <a14:useLocalDpi xmlns:a14="http://schemas.microsoft.com/office/drawing/2010/main" val="0"/>
-              </a:ext>
-            </a:extLst>
-          </a:blip>
-          <a:stretch>
-            <a:fillRect/>
-          </a:stretch>
-        </p:blipFill>
-        <p:spPr>
-          <a:xfrm rot="-1200000">
-            <a:off x="8468036" y="5104979"/>
-            <a:ext cx="1180419" cy="1180419"/>
-          </a:xfrm>
-          <a:prstGeom prst="rect">
-            <a:avLst/>
-          </a:prstGeom>
-        </p:spPr>
-      </p:pic>
       <p:grpSp>
         <p:nvGrpSpPr>
           <p:cNvPr id="5" name="组合 4">
@@ -4858,7 +4821,7 @@
         </p:nvGrpSpPr>
         <p:grpSpPr>
           <a:xfrm>
-            <a:off x="1342333" y="802429"/>
+            <a:off x="2668708" y="5451395"/>
             <a:ext cx="779523" cy="966130"/>
             <a:chOff x="8668483" y="3831784"/>
             <a:chExt cx="779523" cy="966130"/>
@@ -4879,7 +4842,7 @@
             <p:nvPr/>
           </p:nvPicPr>
           <p:blipFill>
-            <a:blip r:embed="rId5">
+            <a:blip r:embed="rId4">
               <a:extLst>
                 <a:ext uri="{28A0092B-C50C-407E-A947-70E740481C1C}">
                   <a14:useLocalDpi xmlns:a14="http://schemas.microsoft.com/office/drawing/2010/main" val="0"/>
@@ -4939,6 +4902,43 @@
           </p:txBody>
         </p:sp>
       </p:grpSp>
+      <p:pic>
+        <p:nvPicPr>
+          <p:cNvPr id="11" name="图片 10">
+            <a:extLst>
+              <a:ext uri="{FF2B5EF4-FFF2-40B4-BE49-F238E27FC236}">
+                <a16:creationId xmlns:a16="http://schemas.microsoft.com/office/drawing/2014/main" id="{F8AFA17A-6D55-4228-AE21-89C90E42AD85}"/>
+              </a:ext>
+            </a:extLst>
+          </p:cNvPr>
+          <p:cNvPicPr>
+            <a:picLocks noChangeAspect="1"/>
+          </p:cNvPicPr>
+          <p:nvPr/>
+        </p:nvPicPr>
+        <p:blipFill>
+          <a:blip r:embed="rId5">
+            <a:alphaModFix amt="50000"/>
+            <a:extLst>
+              <a:ext uri="{28A0092B-C50C-407E-A947-70E740481C1C}">
+                <a14:useLocalDpi xmlns:a14="http://schemas.microsoft.com/office/drawing/2010/main" val="0"/>
+              </a:ext>
+            </a:extLst>
+          </a:blip>
+          <a:stretch>
+            <a:fillRect/>
+          </a:stretch>
+        </p:blipFill>
+        <p:spPr>
+          <a:xfrm rot="20043961">
+            <a:off x="8602731" y="5105623"/>
+            <a:ext cx="1255234" cy="1258005"/>
+          </a:xfrm>
+          <a:prstGeom prst="rect">
+            <a:avLst/>
+          </a:prstGeom>
+        </p:spPr>
+      </p:pic>
     </p:spTree>
     <p:extLst>
       <p:ext uri="{BB962C8B-B14F-4D97-AF65-F5344CB8AC3E}">
